--- a/Echo_Device/ppts/4_1_1_Specifications _Device_and_OS_Info.pptx
+++ b/Echo_Device/ppts/4_1_1_Specifications _Device_and_OS_Info.pptx
@@ -215,7 +215,7 @@
           <a:p>
             <a:fld id="{EE41F6E3-57F9-402E-BDBA-5B2DE11C8530}" type="datetimeFigureOut">
               <a:rPr lang="en-US" smtClean="0"/>
-              <a:t>12/19/23</a:t>
+              <a:t>12/26/23</a:t>
             </a:fld>
             <a:endParaRPr lang="en-US"/>
           </a:p>
@@ -1973,7 +1973,7 @@
           <a:p>
             <a:fld id="{41259AFC-504E-1C4E-B6EF-55A9A474ECB1}" type="datetime1">
               <a:rPr lang="en-US" smtClean="0"/>
-              <a:t>12/19/23</a:t>
+              <a:t>12/26/23</a:t>
             </a:fld>
             <a:endParaRPr lang="en-US"/>
           </a:p>
@@ -2146,7 +2146,7 @@
           <a:p>
             <a:fld id="{D0F9DBC4-577B-D840-8CA5-93F4B76C0210}" type="datetime1">
               <a:rPr lang="en-US" smtClean="0"/>
-              <a:t>12/19/23</a:t>
+              <a:t>12/26/23</a:t>
             </a:fld>
             <a:endParaRPr lang="en-US"/>
           </a:p>
@@ -2324,7 +2324,7 @@
           <a:p>
             <a:fld id="{227C5582-5046-3E42-BCC7-72ADA1A24621}" type="datetime1">
               <a:rPr lang="en-US" smtClean="0"/>
-              <a:t>12/19/23</a:t>
+              <a:t>12/26/23</a:t>
             </a:fld>
             <a:endParaRPr lang="en-US"/>
           </a:p>
@@ -2492,7 +2492,7 @@
           <a:p>
             <a:fld id="{1FD79B34-1669-4741-B0AB-B90F9E524E4C}" type="datetime1">
               <a:rPr lang="en-US" smtClean="0"/>
-              <a:t>12/19/23</a:t>
+              <a:t>12/26/23</a:t>
             </a:fld>
             <a:endParaRPr lang="en-US"/>
           </a:p>
@@ -2737,7 +2737,7 @@
           <a:p>
             <a:fld id="{BAC2E8E5-437A-4043-8EB7-FC47F00F1EF6}" type="datetime1">
               <a:rPr lang="en-US" smtClean="0"/>
-              <a:t>12/19/23</a:t>
+              <a:t>12/26/23</a:t>
             </a:fld>
             <a:endParaRPr lang="en-US"/>
           </a:p>
@@ -2966,7 +2966,7 @@
           <a:p>
             <a:fld id="{38F7D966-F9DC-0540-930B-E1258AAFF056}" type="datetime1">
               <a:rPr lang="en-US" smtClean="0"/>
-              <a:t>12/19/23</a:t>
+              <a:t>12/26/23</a:t>
             </a:fld>
             <a:endParaRPr lang="en-US"/>
           </a:p>
@@ -3330,7 +3330,7 @@
           <a:p>
             <a:fld id="{9982B607-4871-FB40-9574-39B6CEB2812A}" type="datetime1">
               <a:rPr lang="en-US" smtClean="0"/>
-              <a:t>12/19/23</a:t>
+              <a:t>12/26/23</a:t>
             </a:fld>
             <a:endParaRPr lang="en-US"/>
           </a:p>
@@ -3447,7 +3447,7 @@
           <a:p>
             <a:fld id="{AABA27B2-8C00-F84D-ABBA-9E279CB9D7DB}" type="datetime1">
               <a:rPr lang="en-US" smtClean="0"/>
-              <a:t>12/19/23</a:t>
+              <a:t>12/26/23</a:t>
             </a:fld>
             <a:endParaRPr lang="en-US"/>
           </a:p>
@@ -3542,7 +3542,7 @@
           <a:p>
             <a:fld id="{B422F593-57A6-2B42-9344-2115EAEE62EE}" type="datetime1">
               <a:rPr lang="en-US" smtClean="0"/>
-              <a:t>12/19/23</a:t>
+              <a:t>12/26/23</a:t>
             </a:fld>
             <a:endParaRPr lang="en-US"/>
           </a:p>
@@ -3817,7 +3817,7 @@
           <a:p>
             <a:fld id="{190F6A29-CBA8-FC40-8655-A3A03586A58F}" type="datetime1">
               <a:rPr lang="en-US" smtClean="0"/>
-              <a:t>12/19/23</a:t>
+              <a:t>12/26/23</a:t>
             </a:fld>
             <a:endParaRPr lang="en-US"/>
           </a:p>
@@ -4069,7 +4069,7 @@
           <a:p>
             <a:fld id="{C61BE55D-101C-1E42-8ADB-8C738A947EF3}" type="datetime1">
               <a:rPr lang="en-US" smtClean="0"/>
-              <a:t>12/19/23</a:t>
+              <a:t>12/26/23</a:t>
             </a:fld>
             <a:endParaRPr lang="en-US"/>
           </a:p>
@@ -4280,7 +4280,7 @@
           <a:p>
             <a:fld id="{953266A5-900F-614B-ABA3-875DBE56748E}" type="datetime1">
               <a:rPr lang="en-US" smtClean="0"/>
-              <a:t>12/19/23</a:t>
+              <a:t>12/26/23</a:t>
             </a:fld>
             <a:endParaRPr lang="en-US"/>
           </a:p>
@@ -5145,7 +5145,6 @@
           <a:bodyPr/>
           <a:lstStyle/>
           <a:p>
-            <a:pPr algn="ctr"/>
             <a:r>
               <a:rPr lang="en-PK" b="1" dirty="0"/>
               <a:t>Important Information from build.prop</a:t>
@@ -6635,7 +6634,6 @@
           <a:bodyPr/>
           <a:lstStyle/>
           <a:p>
-            <a:pPr algn="ctr"/>
             <a:r>
               <a:rPr lang="en-PK" b="1" dirty="0"/>
               <a:t>Fire OS Vs Android </a:t>
@@ -6819,7 +6817,6 @@
           <a:bodyPr/>
           <a:lstStyle/>
           <a:p>
-            <a:pPr algn="ctr"/>
             <a:r>
               <a:rPr lang="en-GB" b="0" i="0" u="none" strike="noStrike" dirty="0">
                 <a:solidFill>
@@ -7043,7 +7040,6 @@
           <a:bodyPr/>
           <a:lstStyle/>
           <a:p>
-            <a:pPr algn="ctr"/>
             <a:r>
               <a:rPr lang="en-PK" dirty="0"/>
               <a:t>Where to Find Device Info – com.android.settings</a:t>
@@ -9020,7 +9016,6 @@
           <a:bodyPr/>
           <a:lstStyle/>
           <a:p>
-            <a:pPr algn="ctr"/>
             <a:r>
               <a:rPr lang="en-PK" dirty="0"/>
               <a:t>Display Partitions of the eMMC Image</a:t>
@@ -9354,7 +9349,6 @@
           <a:bodyPr/>
           <a:lstStyle/>
           <a:p>
-            <a:pPr algn="ctr"/>
             <a:r>
               <a:rPr lang="en-US" dirty="0"/>
               <a:t>To find OS Info Mount ‘System’ Partition</a:t>
@@ -9632,7 +9626,6 @@
           <a:bodyPr/>
           <a:lstStyle/>
           <a:p>
-            <a:pPr algn="ctr"/>
             <a:r>
               <a:rPr lang="en-PK" dirty="0"/>
               <a:t>Check Partition Numbers of Block Devices</a:t>
@@ -9934,7 +9927,6 @@
           <a:bodyPr/>
           <a:lstStyle/>
           <a:p>
-            <a:pPr algn="ctr"/>
             <a:r>
               <a:rPr lang="en-US" dirty="0"/>
               <a:t>To find OS Info Mount ‘System’ Partition</a:t>
@@ -10074,7 +10066,6 @@
           <a:bodyPr/>
           <a:lstStyle/>
           <a:p>
-            <a:pPr algn="ctr"/>
             <a:r>
               <a:rPr lang="en-US" dirty="0"/>
               <a:t>To find OS Info Mount ‘System’ Partition</a:t>
